--- a/Nutrition_Agent_Presentation(1).pptx
+++ b/Nutrition_Agent_Presentation(1).pptx
@@ -147,7 +147,7 @@
       </p:grpSpPr>
       <p:sp>
         <p:nvSpPr>
-          <p:cNvPr id="462816575" name="Header Placeholder 1"/>
+          <p:cNvPr id="1762853936" name="Header Placeholder 1"/>
           <p:cNvSpPr>
             <a:spLocks noGrp="1"/>
           </p:cNvSpPr>
@@ -181,7 +181,7 @@
       </p:sp>
       <p:sp>
         <p:nvSpPr>
-          <p:cNvPr id="482622966" name="Date Placeholder 2"/>
+          <p:cNvPr id="756040667" name="Date Placeholder 2"/>
           <p:cNvSpPr>
             <a:spLocks noGrp="1"/>
           </p:cNvSpPr>
@@ -219,7 +219,7 @@
       </p:sp>
       <p:sp>
         <p:nvSpPr>
-          <p:cNvPr id="315206354" name="Slide Image Placeholder 3"/>
+          <p:cNvPr id="434289832" name="Slide Image Placeholder 3"/>
           <p:cNvSpPr>
             <a:spLocks noChangeAspect="1" noGrp="1" noRot="1"/>
           </p:cNvSpPr>
@@ -255,7 +255,7 @@
       </p:sp>
       <p:sp>
         <p:nvSpPr>
-          <p:cNvPr id="1183473059" name="Notes Placeholder 4"/>
+          <p:cNvPr id="1395383733" name="Notes Placeholder 4"/>
           <p:cNvSpPr>
             <a:spLocks noGrp="1"/>
           </p:cNvSpPr>
@@ -329,7 +329,7 @@
       </p:sp>
       <p:sp>
         <p:nvSpPr>
-          <p:cNvPr id="737860215" name="Footer Placeholder 5"/>
+          <p:cNvPr id="1146862316" name="Footer Placeholder 5"/>
           <p:cNvSpPr>
             <a:spLocks noGrp="1"/>
           </p:cNvSpPr>
@@ -363,7 +363,7 @@
       </p:sp>
       <p:sp>
         <p:nvSpPr>
-          <p:cNvPr id="1728881507" name="Slide Number Placeholder 6"/>
+          <p:cNvPr id="1361044632" name="Slide Number Placeholder 6"/>
           <p:cNvSpPr>
             <a:spLocks noGrp="1"/>
           </p:cNvSpPr>
@@ -516,7 +516,7 @@
       </p:grpSpPr>
       <p:sp>
         <p:nvSpPr>
-          <p:cNvPr id="287211115" name="Slide Image Placeholder 1"/>
+          <p:cNvPr id="961972095" name="Slide Image Placeholder 1"/>
           <p:cNvSpPr>
             <a:spLocks noChangeAspect="1" noGrp="1" noRot="1"/>
           </p:cNvSpPr>
@@ -528,7 +528,7 @@
       </p:sp>
       <p:sp>
         <p:nvSpPr>
-          <p:cNvPr id="1568098114" name="Notes Placeholder 2"/>
+          <p:cNvPr id="207721524" name="Notes Placeholder 2"/>
           <p:cNvSpPr>
             <a:spLocks noGrp="1"/>
           </p:cNvSpPr>
@@ -550,7 +550,7 @@
       </p:sp>
       <p:sp>
         <p:nvSpPr>
-          <p:cNvPr id="1431378713" name="Slide Number Placeholder 3"/>
+          <p:cNvPr id="1417764548" name="Slide Number Placeholder 3"/>
           <p:cNvSpPr>
             <a:spLocks noGrp="1"/>
           </p:cNvSpPr>
@@ -601,7 +601,7 @@
       </p:grpSpPr>
       <p:sp>
         <p:nvSpPr>
-          <p:cNvPr id="1536951285" name="Slide Image Placeholder 1"/>
+          <p:cNvPr id="2033296044" name="Slide Image Placeholder 1"/>
           <p:cNvSpPr>
             <a:spLocks noChangeAspect="1" noGrp="1" noRot="1"/>
           </p:cNvSpPr>
@@ -613,7 +613,7 @@
       </p:sp>
       <p:sp>
         <p:nvSpPr>
-          <p:cNvPr id="2011261191" name="Notes Placeholder 2"/>
+          <p:cNvPr id="246497365" name="Notes Placeholder 2"/>
           <p:cNvSpPr>
             <a:spLocks noGrp="1"/>
           </p:cNvSpPr>
@@ -635,7 +635,7 @@
       </p:sp>
       <p:sp>
         <p:nvSpPr>
-          <p:cNvPr id="1276448181" name="Slide Number Placeholder 3"/>
+          <p:cNvPr id="2011737669" name="Slide Number Placeholder 3"/>
           <p:cNvSpPr>
             <a:spLocks noGrp="1"/>
           </p:cNvSpPr>
@@ -686,7 +686,7 @@
       </p:grpSpPr>
       <p:sp>
         <p:nvSpPr>
-          <p:cNvPr id="1296277845" name="Slide Image Placeholder 1"/>
+          <p:cNvPr id="1912568273" name="Slide Image Placeholder 1"/>
           <p:cNvSpPr>
             <a:spLocks noChangeAspect="1" noGrp="1" noRot="1"/>
           </p:cNvSpPr>
@@ -698,7 +698,7 @@
       </p:sp>
       <p:sp>
         <p:nvSpPr>
-          <p:cNvPr id="48047728" name="Notes Placeholder 2"/>
+          <p:cNvPr id="326023909" name="Notes Placeholder 2"/>
           <p:cNvSpPr>
             <a:spLocks noGrp="1"/>
           </p:cNvSpPr>
@@ -720,7 +720,7 @@
       </p:sp>
       <p:sp>
         <p:nvSpPr>
-          <p:cNvPr id="316939061" name="Slide Number Placeholder 3"/>
+          <p:cNvPr id="954862266" name="Slide Number Placeholder 3"/>
           <p:cNvSpPr>
             <a:spLocks noGrp="1"/>
           </p:cNvSpPr>
@@ -771,7 +771,7 @@
       </p:grpSpPr>
       <p:sp>
         <p:nvSpPr>
-          <p:cNvPr id="1916935261" name="Slide Image Placeholder 1"/>
+          <p:cNvPr id="1290313022" name="Slide Image Placeholder 1"/>
           <p:cNvSpPr>
             <a:spLocks noChangeAspect="1" noGrp="1" noRot="1"/>
           </p:cNvSpPr>
@@ -783,7 +783,7 @@
       </p:sp>
       <p:sp>
         <p:nvSpPr>
-          <p:cNvPr id="85744730" name="Notes Placeholder 2"/>
+          <p:cNvPr id="923122074" name="Notes Placeholder 2"/>
           <p:cNvSpPr>
             <a:spLocks noGrp="1"/>
           </p:cNvSpPr>
@@ -805,7 +805,7 @@
       </p:sp>
       <p:sp>
         <p:nvSpPr>
-          <p:cNvPr id="1378943920" name="Slide Number Placeholder 3"/>
+          <p:cNvPr id="204810230" name="Slide Number Placeholder 3"/>
           <p:cNvSpPr>
             <a:spLocks noGrp="1"/>
           </p:cNvSpPr>
@@ -856,7 +856,7 @@
       </p:grpSpPr>
       <p:sp>
         <p:nvSpPr>
-          <p:cNvPr id="812680916" name="Slide Image Placeholder 1"/>
+          <p:cNvPr id="1258685941" name="Slide Image Placeholder 1"/>
           <p:cNvSpPr>
             <a:spLocks noChangeAspect="1" noGrp="1" noRot="1"/>
           </p:cNvSpPr>
@@ -868,7 +868,7 @@
       </p:sp>
       <p:sp>
         <p:nvSpPr>
-          <p:cNvPr id="1550206369" name="Notes Placeholder 2"/>
+          <p:cNvPr id="1182540865" name="Notes Placeholder 2"/>
           <p:cNvSpPr>
             <a:spLocks noGrp="1"/>
           </p:cNvSpPr>
@@ -890,7 +890,7 @@
       </p:sp>
       <p:sp>
         <p:nvSpPr>
-          <p:cNvPr id="347789030" name="Slide Number Placeholder 3"/>
+          <p:cNvPr id="1984277076" name="Slide Number Placeholder 3"/>
           <p:cNvSpPr>
             <a:spLocks noGrp="1"/>
           </p:cNvSpPr>
@@ -941,7 +941,7 @@
       </p:grpSpPr>
       <p:sp>
         <p:nvSpPr>
-          <p:cNvPr id="1686771186" name="Slide Image Placeholder 1"/>
+          <p:cNvPr id="1014884363" name="Slide Image Placeholder 1"/>
           <p:cNvSpPr>
             <a:spLocks noChangeAspect="1" noGrp="1" noRot="1"/>
           </p:cNvSpPr>
@@ -953,7 +953,7 @@
       </p:sp>
       <p:sp>
         <p:nvSpPr>
-          <p:cNvPr id="1194789649" name="Notes Placeholder 2"/>
+          <p:cNvPr id="1779756107" name="Notes Placeholder 2"/>
           <p:cNvSpPr>
             <a:spLocks noGrp="1"/>
           </p:cNvSpPr>
@@ -975,7 +975,7 @@
       </p:sp>
       <p:sp>
         <p:nvSpPr>
-          <p:cNvPr id="540580223" name="Slide Number Placeholder 3"/>
+          <p:cNvPr id="1653451204" name="Slide Number Placeholder 3"/>
           <p:cNvSpPr>
             <a:spLocks noGrp="1"/>
           </p:cNvSpPr>
@@ -1026,7 +1026,7 @@
       </p:grpSpPr>
       <p:sp>
         <p:nvSpPr>
-          <p:cNvPr id="1711283706" name="Slide Image Placeholder 1"/>
+          <p:cNvPr id="737920098" name="Slide Image Placeholder 1"/>
           <p:cNvSpPr>
             <a:spLocks noChangeAspect="1" noGrp="1" noRot="1"/>
           </p:cNvSpPr>
@@ -1038,7 +1038,7 @@
       </p:sp>
       <p:sp>
         <p:nvSpPr>
-          <p:cNvPr id="1500778801" name="Notes Placeholder 2"/>
+          <p:cNvPr id="767433836" name="Notes Placeholder 2"/>
           <p:cNvSpPr>
             <a:spLocks noGrp="1"/>
           </p:cNvSpPr>
@@ -1060,7 +1060,7 @@
       </p:sp>
       <p:sp>
         <p:nvSpPr>
-          <p:cNvPr id="213801678" name="Slide Number Placeholder 3"/>
+          <p:cNvPr id="1530104408" name="Slide Number Placeholder 3"/>
           <p:cNvSpPr>
             <a:spLocks noGrp="1"/>
           </p:cNvSpPr>
@@ -1111,7 +1111,7 @@
       </p:grpSpPr>
       <p:sp>
         <p:nvSpPr>
-          <p:cNvPr id="1565070523" name="Slide Image Placeholder 1"/>
+          <p:cNvPr id="870481350" name="Slide Image Placeholder 1"/>
           <p:cNvSpPr>
             <a:spLocks noChangeAspect="1" noGrp="1" noRot="1"/>
           </p:cNvSpPr>
@@ -1123,7 +1123,7 @@
       </p:sp>
       <p:sp>
         <p:nvSpPr>
-          <p:cNvPr id="821823612" name="Notes Placeholder 2"/>
+          <p:cNvPr id="465547199" name="Notes Placeholder 2"/>
           <p:cNvSpPr>
             <a:spLocks noGrp="1"/>
           </p:cNvSpPr>
@@ -1145,7 +1145,7 @@
       </p:sp>
       <p:sp>
         <p:nvSpPr>
-          <p:cNvPr id="357127743" name="Slide Number Placeholder 3"/>
+          <p:cNvPr id="871312798" name="Slide Number Placeholder 3"/>
           <p:cNvSpPr>
             <a:spLocks noGrp="1"/>
           </p:cNvSpPr>
@@ -1196,7 +1196,7 @@
       </p:grpSpPr>
       <p:sp>
         <p:nvSpPr>
-          <p:cNvPr id="397656708" name="Slide Image Placeholder 1"/>
+          <p:cNvPr id="123974203" name="Slide Image Placeholder 1"/>
           <p:cNvSpPr>
             <a:spLocks noChangeAspect="1" noGrp="1" noRot="1"/>
           </p:cNvSpPr>
@@ -1208,7 +1208,7 @@
       </p:sp>
       <p:sp>
         <p:nvSpPr>
-          <p:cNvPr id="452371768" name="Notes Placeholder 2"/>
+          <p:cNvPr id="484292578" name="Notes Placeholder 2"/>
           <p:cNvSpPr>
             <a:spLocks noGrp="1"/>
           </p:cNvSpPr>
@@ -1230,7 +1230,7 @@
       </p:sp>
       <p:sp>
         <p:nvSpPr>
-          <p:cNvPr id="641134694" name="Slide Number Placeholder 3"/>
+          <p:cNvPr id="1204776000" name="Slide Number Placeholder 3"/>
           <p:cNvSpPr>
             <a:spLocks noGrp="1"/>
           </p:cNvSpPr>
@@ -1281,7 +1281,7 @@
       </p:grpSpPr>
       <p:sp>
         <p:nvSpPr>
-          <p:cNvPr id="817254967" name="Slide Image Placeholder 1"/>
+          <p:cNvPr id="660993772" name="Slide Image Placeholder 1"/>
           <p:cNvSpPr>
             <a:spLocks noChangeAspect="1" noGrp="1" noRot="1"/>
           </p:cNvSpPr>
@@ -1293,7 +1293,7 @@
       </p:sp>
       <p:sp>
         <p:nvSpPr>
-          <p:cNvPr id="2094675078" name="Notes Placeholder 2"/>
+          <p:cNvPr id="287814285" name="Notes Placeholder 2"/>
           <p:cNvSpPr>
             <a:spLocks noGrp="1"/>
           </p:cNvSpPr>
@@ -1315,7 +1315,7 @@
       </p:sp>
       <p:sp>
         <p:nvSpPr>
-          <p:cNvPr id="399495354" name="Slide Number Placeholder 3"/>
+          <p:cNvPr id="8783630" name="Slide Number Placeholder 3"/>
           <p:cNvSpPr>
             <a:spLocks noGrp="1"/>
           </p:cNvSpPr>
@@ -1366,7 +1366,7 @@
       </p:grpSpPr>
       <p:sp>
         <p:nvSpPr>
-          <p:cNvPr id="975566801" name="Slide Image Placeholder 1"/>
+          <p:cNvPr id="1271037803" name="Slide Image Placeholder 1"/>
           <p:cNvSpPr>
             <a:spLocks noChangeAspect="1" noGrp="1" noRot="1"/>
           </p:cNvSpPr>
@@ -1378,7 +1378,7 @@
       </p:sp>
       <p:sp>
         <p:nvSpPr>
-          <p:cNvPr id="269554554" name="Notes Placeholder 2"/>
+          <p:cNvPr id="630093183" name="Notes Placeholder 2"/>
           <p:cNvSpPr>
             <a:spLocks noGrp="1"/>
           </p:cNvSpPr>
@@ -1400,7 +1400,7 @@
       </p:sp>
       <p:sp>
         <p:nvSpPr>
-          <p:cNvPr id="1443676001" name="Slide Number Placeholder 3"/>
+          <p:cNvPr id="682970108" name="Slide Number Placeholder 3"/>
           <p:cNvSpPr>
             <a:spLocks noGrp="1"/>
           </p:cNvSpPr>
@@ -1451,7 +1451,7 @@
       </p:grpSpPr>
       <p:sp>
         <p:nvSpPr>
-          <p:cNvPr id="1515892126" name="Slide Image Placeholder 1"/>
+          <p:cNvPr id="2083610798" name="Slide Image Placeholder 1"/>
           <p:cNvSpPr>
             <a:spLocks noChangeAspect="1" noGrp="1" noRot="1"/>
           </p:cNvSpPr>
@@ -1463,7 +1463,7 @@
       </p:sp>
       <p:sp>
         <p:nvSpPr>
-          <p:cNvPr id="1521983695" name="Notes Placeholder 2"/>
+          <p:cNvPr id="211795387" name="Notes Placeholder 2"/>
           <p:cNvSpPr>
             <a:spLocks noGrp="1"/>
           </p:cNvSpPr>
@@ -1485,7 +1485,7 @@
       </p:sp>
       <p:sp>
         <p:nvSpPr>
-          <p:cNvPr id="47779686" name="Slide Number Placeholder 3"/>
+          <p:cNvPr id="1232739786" name="Slide Number Placeholder 3"/>
           <p:cNvSpPr>
             <a:spLocks noGrp="1"/>
           </p:cNvSpPr>
@@ -1536,7 +1536,7 @@
       </p:grpSpPr>
       <p:sp>
         <p:nvSpPr>
-          <p:cNvPr id="1729092541" name="Slide Image Placeholder 1"/>
+          <p:cNvPr id="250305348" name="Slide Image Placeholder 1"/>
           <p:cNvSpPr>
             <a:spLocks noChangeAspect="1" noGrp="1" noRot="1"/>
           </p:cNvSpPr>
@@ -1548,7 +1548,7 @@
       </p:sp>
       <p:sp>
         <p:nvSpPr>
-          <p:cNvPr id="1895573631" name="Notes Placeholder 2"/>
+          <p:cNvPr id="769024317" name="Notes Placeholder 2"/>
           <p:cNvSpPr>
             <a:spLocks noGrp="1"/>
           </p:cNvSpPr>
@@ -1570,7 +1570,7 @@
       </p:sp>
       <p:sp>
         <p:nvSpPr>
-          <p:cNvPr id="1365014775" name="Slide Number Placeholder 3"/>
+          <p:cNvPr id="202978635" name="Slide Number Placeholder 3"/>
           <p:cNvSpPr>
             <a:spLocks noGrp="1"/>
           </p:cNvSpPr>
@@ -1621,7 +1621,7 @@
       </p:grpSpPr>
       <p:sp>
         <p:nvSpPr>
-          <p:cNvPr id="42209370" name="Slide Image Placeholder 1"/>
+          <p:cNvPr id="755112580" name="Slide Image Placeholder 1"/>
           <p:cNvSpPr>
             <a:spLocks noChangeAspect="1" noGrp="1" noRot="1"/>
           </p:cNvSpPr>
@@ -1633,7 +1633,7 @@
       </p:sp>
       <p:sp>
         <p:nvSpPr>
-          <p:cNvPr id="1684596879" name="Notes Placeholder 2"/>
+          <p:cNvPr id="1079381258" name="Notes Placeholder 2"/>
           <p:cNvSpPr>
             <a:spLocks noGrp="1"/>
           </p:cNvSpPr>
@@ -1655,7 +1655,7 @@
       </p:sp>
       <p:sp>
         <p:nvSpPr>
-          <p:cNvPr id="1131647871" name="Slide Number Placeholder 3"/>
+          <p:cNvPr id="79524045" name="Slide Number Placeholder 3"/>
           <p:cNvSpPr>
             <a:spLocks noGrp="1"/>
           </p:cNvSpPr>
@@ -1706,7 +1706,7 @@
       </p:grpSpPr>
       <p:sp>
         <p:nvSpPr>
-          <p:cNvPr id="1833557420" name="Rectangle 6"/>
+          <p:cNvPr id="382359647" name="Rectangle 6"/>
           <p:cNvSpPr/>
           <p:nvPr/>
         </p:nvSpPr>
@@ -1743,7 +1743,7 @@
       </p:sp>
       <p:sp>
         <p:nvSpPr>
-          <p:cNvPr id="1131540037" name="Title 1"/>
+          <p:cNvPr id="238819287" name="Title 1"/>
           <p:cNvSpPr>
             <a:spLocks noGrp="1"/>
           </p:cNvSpPr>
@@ -1788,7 +1788,7 @@
       </p:sp>
       <p:sp>
         <p:nvSpPr>
-          <p:cNvPr id="1533406184" name="Subtitle 2"/>
+          <p:cNvPr id="534586549" name="Subtitle 2"/>
           <p:cNvSpPr>
             <a:spLocks noGrp="1"/>
           </p:cNvSpPr>
@@ -1910,7 +1910,7 @@
       </p:sp>
       <p:sp>
         <p:nvSpPr>
-          <p:cNvPr id="721751039" name="Date Placeholder 7"/>
+          <p:cNvPr id="1436937753" name="Date Placeholder 7"/>
           <p:cNvSpPr>
             <a:spLocks noGrp="1"/>
           </p:cNvSpPr>
@@ -1936,7 +1936,7 @@
       </p:sp>
       <p:sp>
         <p:nvSpPr>
-          <p:cNvPr id="2113368724" name="Footer Placeholder 8"/>
+          <p:cNvPr id="1007759585" name="Footer Placeholder 8"/>
           <p:cNvSpPr>
             <a:spLocks noGrp="1"/>
           </p:cNvSpPr>
@@ -1966,7 +1966,7 @@
       </p:sp>
       <p:sp>
         <p:nvSpPr>
-          <p:cNvPr id="399630656" name="Slide Number Placeholder 9"/>
+          <p:cNvPr id="850939943" name="Slide Number Placeholder 9"/>
           <p:cNvSpPr>
             <a:spLocks noGrp="1"/>
           </p:cNvSpPr>
@@ -2017,7 +2017,7 @@
       </p:grpSpPr>
       <p:sp>
         <p:nvSpPr>
-          <p:cNvPr id="1511229973" name="Title 1"/>
+          <p:cNvPr id="1234569260" name="Title 1"/>
           <p:cNvSpPr>
             <a:spLocks noGrp="1"/>
           </p:cNvSpPr>
@@ -2048,7 +2048,7 @@
       </p:sp>
       <p:sp>
         <p:nvSpPr>
-          <p:cNvPr id="178556597" name="Vertical Text Placeholder 2"/>
+          <p:cNvPr id="85016873" name="Vertical Text Placeholder 2"/>
           <p:cNvSpPr>
             <a:spLocks noGrp="1"/>
           </p:cNvSpPr>
@@ -2130,7 +2130,7 @@
       </p:sp>
       <p:sp>
         <p:nvSpPr>
-          <p:cNvPr id="1909314973" name="Date Placeholder 3"/>
+          <p:cNvPr id="1142461352" name="Date Placeholder 3"/>
           <p:cNvSpPr>
             <a:spLocks noGrp="1"/>
           </p:cNvSpPr>
@@ -2156,7 +2156,7 @@
       </p:sp>
       <p:sp>
         <p:nvSpPr>
-          <p:cNvPr id="2146207156" name="Footer Placeholder 4"/>
+          <p:cNvPr id="443336324" name="Footer Placeholder 4"/>
           <p:cNvSpPr>
             <a:spLocks noGrp="1"/>
           </p:cNvSpPr>
@@ -2186,7 +2186,7 @@
       </p:sp>
       <p:sp>
         <p:nvSpPr>
-          <p:cNvPr id="592035302" name="Slide Number Placeholder 5"/>
+          <p:cNvPr id="545466523" name="Slide Number Placeholder 5"/>
           <p:cNvSpPr>
             <a:spLocks noGrp="1"/>
           </p:cNvSpPr>
@@ -2237,7 +2237,7 @@
       </p:grpSpPr>
       <p:sp>
         <p:nvSpPr>
-          <p:cNvPr id="685765888" name="Rectangle 6"/>
+          <p:cNvPr id="1560327127" name="Rectangle 6"/>
           <p:cNvSpPr>
             <a:spLocks noChangeAspect="1"/>
           </p:cNvSpPr>
@@ -2276,7 +2276,7 @@
       </p:sp>
       <p:sp>
         <p:nvSpPr>
-          <p:cNvPr id="676733158" name="Vertical Title 1"/>
+          <p:cNvPr id="1519004413" name="Vertical Title 1"/>
           <p:cNvSpPr>
             <a:spLocks noGrp="1"/>
           </p:cNvSpPr>
@@ -2315,7 +2315,7 @@
       </p:sp>
       <p:sp>
         <p:nvSpPr>
-          <p:cNvPr id="251260066" name="Vertical Text Placeholder 2"/>
+          <p:cNvPr id="1059402131" name="Vertical Text Placeholder 2"/>
           <p:cNvSpPr>
             <a:spLocks noGrp="1"/>
           </p:cNvSpPr>
@@ -2386,7 +2386,7 @@
       </p:sp>
       <p:sp>
         <p:nvSpPr>
-          <p:cNvPr id="1619121674" name="Rectangle 7"/>
+          <p:cNvPr id="660727057" name="Rectangle 7"/>
           <p:cNvSpPr/>
           <p:nvPr/>
         </p:nvSpPr>
@@ -2423,7 +2423,7 @@
       </p:sp>
       <p:sp>
         <p:nvSpPr>
-          <p:cNvPr id="1995687576" name="Rectangle 8"/>
+          <p:cNvPr id="983214589" name="Rectangle 8"/>
           <p:cNvSpPr/>
           <p:nvPr/>
         </p:nvSpPr>
@@ -2460,7 +2460,7 @@
       </p:sp>
       <p:sp>
         <p:nvSpPr>
-          <p:cNvPr id="248207920" name="Rectangle 9"/>
+          <p:cNvPr id="653218022" name="Rectangle 9"/>
           <p:cNvSpPr/>
           <p:nvPr/>
         </p:nvSpPr>
@@ -2497,7 +2497,7 @@
       </p:sp>
       <p:sp>
         <p:nvSpPr>
-          <p:cNvPr id="2085740880" name="Date Placeholder 10"/>
+          <p:cNvPr id="303688917" name="Date Placeholder 10"/>
           <p:cNvSpPr>
             <a:spLocks noGrp="1"/>
           </p:cNvSpPr>
@@ -2523,7 +2523,7 @@
       </p:sp>
       <p:sp>
         <p:nvSpPr>
-          <p:cNvPr id="1103398287" name="Footer Placeholder 11"/>
+          <p:cNvPr id="672309488" name="Footer Placeholder 11"/>
           <p:cNvSpPr>
             <a:spLocks noGrp="1"/>
           </p:cNvSpPr>
@@ -2553,7 +2553,7 @@
       </p:sp>
       <p:sp>
         <p:nvSpPr>
-          <p:cNvPr id="1528892264" name="Slide Number Placeholder 12"/>
+          <p:cNvPr id="58805744" name="Slide Number Placeholder 12"/>
           <p:cNvSpPr>
             <a:spLocks noGrp="1"/>
           </p:cNvSpPr>
@@ -2604,7 +2604,7 @@
       </p:grpSpPr>
       <p:sp>
         <p:nvSpPr>
-          <p:cNvPr id="881433266" name="Title 1"/>
+          <p:cNvPr id="1026867369" name="Title 1"/>
           <p:cNvSpPr>
             <a:spLocks noGrp="1"/>
           </p:cNvSpPr>
@@ -2635,7 +2635,7 @@
       </p:sp>
       <p:sp>
         <p:nvSpPr>
-          <p:cNvPr id="1815778942" name="Content Placeholder 2"/>
+          <p:cNvPr id="1788175019" name="Content Placeholder 2"/>
           <p:cNvSpPr>
             <a:spLocks noGrp="1"/>
           </p:cNvSpPr>
@@ -2706,7 +2706,7 @@
       </p:sp>
       <p:sp>
         <p:nvSpPr>
-          <p:cNvPr id="575704778" name="Date Placeholder 7"/>
+          <p:cNvPr id="174611170" name="Date Placeholder 7"/>
           <p:cNvSpPr>
             <a:spLocks noGrp="1"/>
           </p:cNvSpPr>
@@ -2757,7 +2757,7 @@
       </p:grpSpPr>
       <p:sp>
         <p:nvSpPr>
-          <p:cNvPr id="213218701" name="Rectangle 7"/>
+          <p:cNvPr id="305400002" name="Rectangle 7"/>
           <p:cNvSpPr>
             <a:spLocks noChangeAspect="1"/>
           </p:cNvSpPr>
@@ -2796,7 +2796,7 @@
       </p:sp>
       <p:sp>
         <p:nvSpPr>
-          <p:cNvPr id="1253153474" name="Title 1"/>
+          <p:cNvPr id="610801845" name="Title 1"/>
           <p:cNvSpPr>
             <a:spLocks noGrp="1"/>
           </p:cNvSpPr>
@@ -2840,7 +2840,7 @@
       </p:sp>
       <p:sp>
         <p:nvSpPr>
-          <p:cNvPr id="1199928911" name="Text Placeholder 2"/>
+          <p:cNvPr id="1810702998" name="Text Placeholder 2"/>
           <p:cNvSpPr>
             <a:spLocks noGrp="1"/>
           </p:cNvSpPr>
@@ -2962,7 +2962,7 @@
       </p:sp>
       <p:sp>
         <p:nvSpPr>
-          <p:cNvPr id="986123179" name="Date Placeholder 6"/>
+          <p:cNvPr id="186595761" name="Date Placeholder 6"/>
           <p:cNvSpPr>
             <a:spLocks noGrp="1"/>
           </p:cNvSpPr>
@@ -2988,7 +2988,7 @@
       </p:sp>
       <p:sp>
         <p:nvSpPr>
-          <p:cNvPr id="298328756" name="Footer Placeholder 8"/>
+          <p:cNvPr id="381279496" name="Footer Placeholder 8"/>
           <p:cNvSpPr>
             <a:spLocks noGrp="1"/>
           </p:cNvSpPr>
@@ -3018,7 +3018,7 @@
       </p:sp>
       <p:sp>
         <p:nvSpPr>
-          <p:cNvPr id="1659024477" name="Slide Number Placeholder 9"/>
+          <p:cNvPr id="968033977" name="Slide Number Placeholder 9"/>
           <p:cNvSpPr>
             <a:spLocks noGrp="1"/>
           </p:cNvSpPr>
@@ -3069,7 +3069,7 @@
       </p:grpSpPr>
       <p:sp>
         <p:nvSpPr>
-          <p:cNvPr id="967416731" name="Title 1"/>
+          <p:cNvPr id="64537908" name="Title 1"/>
           <p:cNvSpPr>
             <a:spLocks noGrp="1"/>
           </p:cNvSpPr>
@@ -3100,7 +3100,7 @@
       </p:sp>
       <p:sp>
         <p:nvSpPr>
-          <p:cNvPr id="986574224" name="Content Placeholder 2"/>
+          <p:cNvPr id="21013737" name="Content Placeholder 2"/>
           <p:cNvSpPr>
             <a:spLocks noGrp="1"/>
           </p:cNvSpPr>
@@ -3173,7 +3173,7 @@
       </p:sp>
       <p:sp>
         <p:nvSpPr>
-          <p:cNvPr id="1820762783" name="Content Placeholder 3"/>
+          <p:cNvPr id="1053020154" name="Content Placeholder 3"/>
           <p:cNvSpPr>
             <a:spLocks noGrp="1"/>
           </p:cNvSpPr>
@@ -3246,7 +3246,7 @@
       </p:sp>
       <p:sp>
         <p:nvSpPr>
-          <p:cNvPr id="499662269" name="Date Placeholder 4"/>
+          <p:cNvPr id="1482731899" name="Date Placeholder 4"/>
           <p:cNvSpPr>
             <a:spLocks noGrp="1"/>
           </p:cNvSpPr>
@@ -3272,7 +3272,7 @@
       </p:sp>
       <p:sp>
         <p:nvSpPr>
-          <p:cNvPr id="1150583103" name="Footer Placeholder 5"/>
+          <p:cNvPr id="382143566" name="Footer Placeholder 5"/>
           <p:cNvSpPr>
             <a:spLocks noGrp="1"/>
           </p:cNvSpPr>
@@ -3302,7 +3302,7 @@
       </p:sp>
       <p:sp>
         <p:nvSpPr>
-          <p:cNvPr id="1790553574" name="Slide Number Placeholder 6"/>
+          <p:cNvPr id="1565257659" name="Slide Number Placeholder 6"/>
           <p:cNvSpPr>
             <a:spLocks noGrp="1"/>
           </p:cNvSpPr>
@@ -3353,7 +3353,7 @@
       </p:grpSpPr>
       <p:sp>
         <p:nvSpPr>
-          <p:cNvPr id="1306757775" name="Title 1"/>
+          <p:cNvPr id="1978295846" name="Title 1"/>
           <p:cNvSpPr>
             <a:spLocks noGrp="1"/>
           </p:cNvSpPr>
@@ -3384,7 +3384,7 @@
       </p:sp>
       <p:sp>
         <p:nvSpPr>
-          <p:cNvPr id="710101071" name="Text Placeholder 2"/>
+          <p:cNvPr id="1609315767" name="Text Placeholder 2"/>
           <p:cNvSpPr>
             <a:spLocks noGrp="1"/>
           </p:cNvSpPr>
@@ -3461,7 +3461,7 @@
       </p:sp>
       <p:sp>
         <p:nvSpPr>
-          <p:cNvPr id="1907103245" name="Content Placeholder 3"/>
+          <p:cNvPr id="943154126" name="Content Placeholder 3"/>
           <p:cNvSpPr>
             <a:spLocks noGrp="1"/>
           </p:cNvSpPr>
@@ -3534,7 +3534,7 @@
       </p:sp>
       <p:sp>
         <p:nvSpPr>
-          <p:cNvPr id="451024167" name="Text Placeholder 4"/>
+          <p:cNvPr id="1897535506" name="Text Placeholder 4"/>
           <p:cNvSpPr>
             <a:spLocks noGrp="1"/>
           </p:cNvSpPr>
@@ -3640,7 +3640,7 @@
       </p:sp>
       <p:sp>
         <p:nvSpPr>
-          <p:cNvPr id="1090070915" name="Content Placeholder 5"/>
+          <p:cNvPr id="1745209442" name="Content Placeholder 5"/>
           <p:cNvSpPr>
             <a:spLocks noGrp="1"/>
           </p:cNvSpPr>
@@ -3713,7 +3713,7 @@
       </p:sp>
       <p:sp>
         <p:nvSpPr>
-          <p:cNvPr id="1675515126" name="Date Placeholder 6"/>
+          <p:cNvPr id="143882295" name="Date Placeholder 6"/>
           <p:cNvSpPr>
             <a:spLocks noGrp="1"/>
           </p:cNvSpPr>
@@ -3739,7 +3739,7 @@
       </p:sp>
       <p:sp>
         <p:nvSpPr>
-          <p:cNvPr id="613616402" name="Footer Placeholder 7"/>
+          <p:cNvPr id="1795453177" name="Footer Placeholder 7"/>
           <p:cNvSpPr>
             <a:spLocks noGrp="1"/>
           </p:cNvSpPr>
@@ -3769,7 +3769,7 @@
       </p:sp>
       <p:sp>
         <p:nvSpPr>
-          <p:cNvPr id="1340956685" name="Slide Number Placeholder 8"/>
+          <p:cNvPr id="660691868" name="Slide Number Placeholder 8"/>
           <p:cNvSpPr>
             <a:spLocks noGrp="1"/>
           </p:cNvSpPr>
@@ -3820,7 +3820,7 @@
       </p:grpSpPr>
       <p:sp>
         <p:nvSpPr>
-          <p:cNvPr id="33788659" name="Title 1"/>
+          <p:cNvPr id="182973825" name="Title 1"/>
           <p:cNvSpPr>
             <a:spLocks noGrp="1"/>
           </p:cNvSpPr>
@@ -3851,7 +3851,7 @@
       </p:sp>
       <p:sp>
         <p:nvSpPr>
-          <p:cNvPr id="1331609357" name="Date Placeholder 2"/>
+          <p:cNvPr id="133930982" name="Date Placeholder 2"/>
           <p:cNvSpPr>
             <a:spLocks noGrp="1"/>
           </p:cNvSpPr>
@@ -3877,7 +3877,7 @@
       </p:sp>
       <p:sp>
         <p:nvSpPr>
-          <p:cNvPr id="1571503783" name="Footer Placeholder 3"/>
+          <p:cNvPr id="1768895908" name="Footer Placeholder 3"/>
           <p:cNvSpPr>
             <a:spLocks noGrp="1"/>
           </p:cNvSpPr>
@@ -3907,7 +3907,7 @@
       </p:sp>
       <p:sp>
         <p:nvSpPr>
-          <p:cNvPr id="64280990" name="Slide Number Placeholder 4"/>
+          <p:cNvPr id="1806834577" name="Slide Number Placeholder 4"/>
           <p:cNvSpPr>
             <a:spLocks noGrp="1"/>
           </p:cNvSpPr>
@@ -3958,7 +3958,7 @@
       </p:grpSpPr>
       <p:sp>
         <p:nvSpPr>
-          <p:cNvPr id="213996738" name="Date Placeholder 1"/>
+          <p:cNvPr id="1352130336" name="Date Placeholder 1"/>
           <p:cNvSpPr>
             <a:spLocks noGrp="1"/>
           </p:cNvSpPr>
@@ -3984,7 +3984,7 @@
       </p:sp>
       <p:sp>
         <p:nvSpPr>
-          <p:cNvPr id="604465375" name="Footer Placeholder 2"/>
+          <p:cNvPr id="71434030" name="Footer Placeholder 2"/>
           <p:cNvSpPr>
             <a:spLocks noGrp="1"/>
           </p:cNvSpPr>
@@ -4014,7 +4014,7 @@
       </p:sp>
       <p:sp>
         <p:nvSpPr>
-          <p:cNvPr id="587963968" name="Slide Number Placeholder 3"/>
+          <p:cNvPr id="504817660" name="Slide Number Placeholder 3"/>
           <p:cNvSpPr>
             <a:spLocks noGrp="1"/>
           </p:cNvSpPr>
@@ -4065,7 +4065,7 @@
       </p:grpSpPr>
       <p:sp>
         <p:nvSpPr>
-          <p:cNvPr id="672737630" name="Rectangle 8"/>
+          <p:cNvPr id="743827039" name="Rectangle 8"/>
           <p:cNvSpPr>
             <a:spLocks noChangeAspect="1"/>
           </p:cNvSpPr>
@@ -4104,7 +4104,7 @@
       </p:sp>
       <p:sp>
         <p:nvSpPr>
-          <p:cNvPr id="1428084977" name="Title 1"/>
+          <p:cNvPr id="978668088" name="Title 1"/>
           <p:cNvSpPr>
             <a:spLocks noGrp="1"/>
           </p:cNvSpPr>
@@ -4145,7 +4145,7 @@
       </p:sp>
       <p:sp>
         <p:nvSpPr>
-          <p:cNvPr id="1285136725" name="Content Placeholder 2"/>
+          <p:cNvPr id="1130633507" name="Content Placeholder 2"/>
           <p:cNvSpPr>
             <a:spLocks noGrp="1"/>
           </p:cNvSpPr>
@@ -4282,7 +4282,7 @@
       </p:sp>
       <p:sp>
         <p:nvSpPr>
-          <p:cNvPr id="2134405859" name="Text Placeholder 3"/>
+          <p:cNvPr id="1902255085" name="Text Placeholder 3"/>
           <p:cNvSpPr>
             <a:spLocks noGrp="1"/>
           </p:cNvSpPr>
@@ -4356,7 +4356,7 @@
       </p:sp>
       <p:sp>
         <p:nvSpPr>
-          <p:cNvPr id="1682326288" name="Date Placeholder 7"/>
+          <p:cNvPr id="106956866" name="Date Placeholder 7"/>
           <p:cNvSpPr>
             <a:spLocks noGrp="1"/>
           </p:cNvSpPr>
@@ -4387,7 +4387,7 @@
       </p:sp>
       <p:sp>
         <p:nvSpPr>
-          <p:cNvPr id="1801677898" name="Footer Placeholder 9"/>
+          <p:cNvPr id="1851240740" name="Footer Placeholder 9"/>
           <p:cNvSpPr>
             <a:spLocks noGrp="1"/>
           </p:cNvSpPr>
@@ -4417,7 +4417,7 @@
       </p:sp>
       <p:sp>
         <p:nvSpPr>
-          <p:cNvPr id="41338173" name="Slide Number Placeholder 10"/>
+          <p:cNvPr id="882643005" name="Slide Number Placeholder 10"/>
           <p:cNvSpPr>
             <a:spLocks noGrp="1"/>
           </p:cNvSpPr>
@@ -4473,7 +4473,7 @@
       </p:grpSpPr>
       <p:sp>
         <p:nvSpPr>
-          <p:cNvPr id="1807317933" name="Title 1"/>
+          <p:cNvPr id="1190798621" name="Title 1"/>
           <p:cNvSpPr>
             <a:spLocks noGrp="1"/>
           </p:cNvSpPr>
@@ -4517,7 +4517,7 @@
       </p:sp>
       <p:sp>
         <p:nvSpPr>
-          <p:cNvPr id="999030811" name="Picture Placeholder 2"/>
+          <p:cNvPr id="298928321" name="Picture Placeholder 2"/>
           <p:cNvSpPr>
             <a:spLocks noChangeAspect="1" noGrp="1"/>
           </p:cNvSpPr>
@@ -4587,7 +4587,7 @@
       </p:sp>
       <p:sp>
         <p:nvSpPr>
-          <p:cNvPr id="174044832" name="Text Placeholder 3"/>
+          <p:cNvPr id="1102746114" name="Text Placeholder 3"/>
           <p:cNvSpPr>
             <a:spLocks noGrp="1"/>
           </p:cNvSpPr>
@@ -4657,7 +4657,7 @@
       </p:sp>
       <p:sp>
         <p:nvSpPr>
-          <p:cNvPr id="722305937" name="Date Placeholder 4"/>
+          <p:cNvPr id="1943534109" name="Date Placeholder 4"/>
           <p:cNvSpPr>
             <a:spLocks noGrp="1"/>
           </p:cNvSpPr>
@@ -4683,7 +4683,7 @@
       </p:sp>
       <p:sp>
         <p:nvSpPr>
-          <p:cNvPr id="20584029" name="Footer Placeholder 5"/>
+          <p:cNvPr id="1091237453" name="Footer Placeholder 5"/>
           <p:cNvSpPr>
             <a:spLocks noGrp="1"/>
           </p:cNvSpPr>
@@ -4713,7 +4713,7 @@
       </p:sp>
       <p:sp>
         <p:nvSpPr>
-          <p:cNvPr id="1326720668" name="Slide Number Placeholder 6"/>
+          <p:cNvPr id="1804108027" name="Slide Number Placeholder 6"/>
           <p:cNvSpPr>
             <a:spLocks noGrp="1"/>
           </p:cNvSpPr>
@@ -4769,7 +4769,7 @@
       </p:grpSpPr>
       <p:sp>
         <p:nvSpPr>
-          <p:cNvPr id="34505665" name="Title Placeholder 1"/>
+          <p:cNvPr id="1043742325" name="Title Placeholder 1"/>
           <p:cNvSpPr>
             <a:spLocks noGrp="1"/>
           </p:cNvSpPr>
@@ -4805,7 +4805,7 @@
       </p:sp>
       <p:sp>
         <p:nvSpPr>
-          <p:cNvPr id="495979096" name="Text Placeholder 2"/>
+          <p:cNvPr id="762409769" name="Text Placeholder 2"/>
           <p:cNvSpPr>
             <a:spLocks noGrp="1"/>
           </p:cNvSpPr>
@@ -4881,7 +4881,7 @@
       </p:sp>
       <p:sp>
         <p:nvSpPr>
-          <p:cNvPr id="1738356479" name="Date Placeholder 3"/>
+          <p:cNvPr id="729478991" name="Date Placeholder 3"/>
           <p:cNvSpPr>
             <a:spLocks noGrp="1"/>
           </p:cNvSpPr>
@@ -4926,7 +4926,7 @@
       </p:sp>
       <p:sp>
         <p:nvSpPr>
-          <p:cNvPr id="1605475132" name="Slide Number Placeholder 5"/>
+          <p:cNvPr id="1508454052" name="Slide Number Placeholder 5"/>
           <p:cNvSpPr>
             <a:spLocks noGrp="1"/>
           </p:cNvSpPr>
@@ -4971,7 +4971,7 @@
       </p:sp>
       <p:sp>
         <p:nvSpPr>
-          <p:cNvPr id="804290143" name="Rectangle 8"/>
+          <p:cNvPr id="191628540" name="Rectangle 8"/>
           <p:cNvSpPr/>
           <p:nvPr/>
         </p:nvSpPr>
@@ -5008,7 +5008,7 @@
       </p:sp>
       <p:sp>
         <p:nvSpPr>
-          <p:cNvPr id="1547274657" name="Rectangle 9"/>
+          <p:cNvPr id="1627069291" name="Rectangle 9"/>
           <p:cNvSpPr/>
           <p:nvPr/>
         </p:nvSpPr>
@@ -5045,7 +5045,7 @@
       </p:sp>
       <p:sp>
         <p:nvSpPr>
-          <p:cNvPr id="1861225469" name="Rectangle 10"/>
+          <p:cNvPr id="2097778666" name="Rectangle 10"/>
           <p:cNvSpPr/>
           <p:nvPr/>
         </p:nvSpPr>
@@ -5082,7 +5082,7 @@
       </p:sp>
       <p:pic>
         <p:nvPicPr>
-          <p:cNvPr id="1013850555" name="Picture 7" descr="Logo&#10;&#10;Description automatically generated"/>
+          <p:cNvPr id="1415486546" name="Picture 7" descr="Logo&#10;&#10;Description automatically generated"/>
           <p:cNvPicPr>
             <a:picLocks noChangeAspect="1"/>
           </p:cNvPicPr>
@@ -5534,7 +5534,7 @@
       </p:grpSpPr>
       <p:sp>
         <p:nvSpPr>
-          <p:cNvPr id="2045451371" name="Title 1"/>
+          <p:cNvPr id="907936334" name="Title 1"/>
           <p:cNvSpPr>
             <a:spLocks noGrp="1"/>
           </p:cNvSpPr>
@@ -5577,7 +5577,7 @@
       </p:sp>
       <p:sp>
         <p:nvSpPr>
-          <p:cNvPr id="2047256218" name="TextBox 2"/>
+          <p:cNvPr id="534512334" name="TextBox 2"/>
           <p:cNvSpPr txBox="1"/>
           <p:nvPr/>
         </p:nvSpPr>
@@ -5617,7 +5617,7 @@
       </p:sp>
       <p:sp>
         <p:nvSpPr>
-          <p:cNvPr id="1370340373" name="TextBox 3"/>
+          <p:cNvPr id="241092916" name="TextBox 3"/>
           <p:cNvSpPr txBox="1"/>
           <p:nvPr/>
         </p:nvSpPr>
@@ -5750,7 +5750,7 @@
       </p:grpSpPr>
       <p:sp>
         <p:nvSpPr>
-          <p:cNvPr id="1043418646" name="Title 4"/>
+          <p:cNvPr id="188191368" name="Title 4"/>
           <p:cNvSpPr>
             <a:spLocks noGrp="1"/>
           </p:cNvSpPr>
@@ -5778,7 +5778,7 @@
       </p:sp>
       <p:sp>
         <p:nvSpPr>
-          <p:cNvPr id="777796595" name="Content Placeholder 1"/>
+          <p:cNvPr id="1198097156" name="Content Placeholder 1"/>
           <p:cNvSpPr>
             <a:spLocks noGrp="1"/>
           </p:cNvSpPr>
@@ -5807,7 +5807,7 @@
             <a:endParaRPr lang="en-IN" sz="1800"/>
           </a:p>
           <a:p>
-            <a:pPr marL="305434" indent="-305434">
+            <a:pPr marL="305433" indent="-305433">
               <a:defRPr/>
             </a:pPr>
             <a:r>
@@ -5821,7 +5821,7 @@
             <a:endParaRPr sz="1800"/>
           </a:p>
           <a:p>
-            <a:pPr marL="305434" indent="-305434">
+            <a:pPr marL="305433" indent="-305433">
               <a:defRPr/>
             </a:pPr>
             <a:r>
@@ -5835,7 +5835,7 @@
             <a:endParaRPr sz="1800"/>
           </a:p>
           <a:p>
-            <a:pPr marL="305434" indent="-305434">
+            <a:pPr marL="305433" indent="-305433">
               <a:defRPr/>
             </a:pPr>
             <a:r>
@@ -5885,7 +5885,7 @@
       </p:grpSpPr>
       <p:sp>
         <p:nvSpPr>
-          <p:cNvPr id="219729579" name="Title 1"/>
+          <p:cNvPr id="1862277244" name="Title 1"/>
           <p:cNvSpPr>
             <a:spLocks noGrp="1"/>
           </p:cNvSpPr>
@@ -5915,7 +5915,7 @@
       </p:sp>
       <p:sp>
         <p:nvSpPr>
-          <p:cNvPr id="922751243" name="Content Placeholder 2"/>
+          <p:cNvPr id="641723974" name="Content Placeholder 2"/>
           <p:cNvSpPr>
             <a:spLocks noGrp="1"/>
           </p:cNvSpPr>
@@ -5943,7 +5943,7 @@
       </p:sp>
       <p:pic>
         <p:nvPicPr>
-          <p:cNvPr id="2039255334" name="Picture 1731354955"/>
+          <p:cNvPr id="638209989" name="Picture 1731354955"/>
           <p:cNvPicPr>
             <a:picLocks noChangeAspect="1"/>
           </p:cNvPicPr>
@@ -5998,7 +5998,7 @@
       </p:grpSpPr>
       <p:sp>
         <p:nvSpPr>
-          <p:cNvPr id="2040886328" name="Title 1"/>
+          <p:cNvPr id="1653162681" name="Title 1"/>
           <p:cNvSpPr>
             <a:spLocks noGrp="1"/>
           </p:cNvSpPr>
@@ -6028,7 +6028,7 @@
       </p:sp>
       <p:sp>
         <p:nvSpPr>
-          <p:cNvPr id="1335889086" name="Content Placeholder 2"/>
+          <p:cNvPr id="1797158442" name="Content Placeholder 2"/>
           <p:cNvSpPr>
             <a:spLocks noGrp="1"/>
           </p:cNvSpPr>
@@ -6051,7 +6051,7 @@
       </p:sp>
       <p:pic>
         <p:nvPicPr>
-          <p:cNvPr id="2009999484" name="Picture 1491649262"/>
+          <p:cNvPr id="477578021" name="Picture 1491649262"/>
           <p:cNvPicPr>
             <a:picLocks noChangeAspect="1"/>
           </p:cNvPicPr>
@@ -6062,9 +6062,9 @@
           <a:stretch/>
         </p:blipFill>
         <p:spPr bwMode="auto">
-          <a:xfrm rot="5399977" flipH="0" flipV="0">
+          <a:xfrm rot="5399976" flipH="0" flipV="0">
             <a:off x="3633820" y="-1704125"/>
-            <a:ext cx="4869650" cy="10881953"/>
+            <a:ext cx="4869650" cy="10881952"/>
           </a:xfrm>
           <a:prstGeom prst="rect">
             <a:avLst/>
@@ -6106,7 +6106,7 @@
       </p:grpSpPr>
       <p:sp>
         <p:nvSpPr>
-          <p:cNvPr id="2015969486" name="Title 1"/>
+          <p:cNvPr id="901119070" name="Title 1"/>
           <p:cNvSpPr>
             <a:spLocks noGrp="1"/>
           </p:cNvSpPr>
@@ -6136,7 +6136,7 @@
       </p:sp>
       <p:sp>
         <p:nvSpPr>
-          <p:cNvPr id="598393208" name="Content Placeholder 2"/>
+          <p:cNvPr id="988940119" name="Content Placeholder 2"/>
           <p:cNvSpPr>
             <a:spLocks noGrp="1"/>
           </p:cNvSpPr>
@@ -6159,7 +6159,7 @@
       </p:sp>
       <p:pic>
         <p:nvPicPr>
-          <p:cNvPr id="1093937124" name="Picture 1177255291"/>
+          <p:cNvPr id="1716740778" name="Picture 1177255291"/>
           <p:cNvPicPr>
             <a:picLocks noChangeAspect="1"/>
           </p:cNvPicPr>
@@ -6170,9 +6170,9 @@
           <a:stretch/>
         </p:blipFill>
         <p:spPr bwMode="auto">
-          <a:xfrm rot="5399977" flipH="0" flipV="0">
+          <a:xfrm rot="5399976" flipH="0" flipV="0">
             <a:off x="3667016" y="-1853352"/>
-            <a:ext cx="5271366" cy="11443049"/>
+            <a:ext cx="5271365" cy="11443049"/>
           </a:xfrm>
           <a:prstGeom prst="rect">
             <a:avLst/>
@@ -6214,7 +6214,7 @@
       </p:grpSpPr>
       <p:sp>
         <p:nvSpPr>
-          <p:cNvPr id="1283039467" name="Title 4"/>
+          <p:cNvPr id="408296286" name="Title 4"/>
           <p:cNvSpPr>
             <a:spLocks noGrp="1"/>
           </p:cNvSpPr>
@@ -6284,7 +6284,7 @@
       </p:grpSpPr>
       <p:sp>
         <p:nvSpPr>
-          <p:cNvPr id="1453007811" name="Title 1"/>
+          <p:cNvPr id="1243688158" name="Title 1"/>
           <p:cNvSpPr>
             <a:spLocks noGrp="1"/>
           </p:cNvSpPr>
@@ -6321,7 +6321,7 @@
       </p:sp>
       <p:sp>
         <p:nvSpPr>
-          <p:cNvPr id="827934199" name="Content Placeholder 2"/>
+          <p:cNvPr id="1834231853" name="Content Placeholder 2"/>
           <p:cNvSpPr>
             <a:spLocks noGrp="1"/>
           </p:cNvSpPr>
@@ -6551,7 +6551,7 @@
       </p:grpSpPr>
       <p:sp>
         <p:nvSpPr>
-          <p:cNvPr id="705492206" name="Title 4"/>
+          <p:cNvPr id="1189979255" name="Title 4"/>
           <p:cNvSpPr>
             <a:spLocks noGrp="1"/>
           </p:cNvSpPr>
@@ -6579,7 +6579,7 @@
       </p:sp>
       <p:sp>
         <p:nvSpPr>
-          <p:cNvPr id="2120460852" name="Content Placeholder 1"/>
+          <p:cNvPr id="749200020" name="Content Placeholder 1"/>
           <p:cNvSpPr>
             <a:spLocks noGrp="1"/>
           </p:cNvSpPr>
@@ -6644,7 +6644,7 @@
       </p:grpSpPr>
       <p:sp>
         <p:nvSpPr>
-          <p:cNvPr id="502292086" name="Title 4"/>
+          <p:cNvPr id="139462381" name="Title 4"/>
           <p:cNvSpPr>
             <a:spLocks noGrp="1"/>
           </p:cNvSpPr>
@@ -6672,7 +6672,7 @@
       </p:sp>
       <p:sp>
         <p:nvSpPr>
-          <p:cNvPr id="639804849" name="Content Placeholder 1"/>
+          <p:cNvPr id="925265603" name="Content Placeholder 1"/>
           <p:cNvSpPr>
             <a:spLocks noGrp="1"/>
           </p:cNvSpPr>
@@ -6776,7 +6776,7 @@
       </p:grpSpPr>
       <p:sp>
         <p:nvSpPr>
-          <p:cNvPr id="1767922161" name="Title 4"/>
+          <p:cNvPr id="426145372" name="Title 4"/>
           <p:cNvSpPr>
             <a:spLocks noGrp="1"/>
           </p:cNvSpPr>
@@ -6822,7 +6822,7 @@
       </p:sp>
       <p:sp>
         <p:nvSpPr>
-          <p:cNvPr id="707359699" name="Content Placeholder 1"/>
+          <p:cNvPr id="1699011768" name="Content Placeholder 1"/>
           <p:cNvSpPr>
             <a:spLocks noGrp="1"/>
           </p:cNvSpPr>
@@ -6839,15 +6839,37 @@
               <a:buNone/>
               <a:defRPr/>
             </a:pPr>
+            <a:r>
+              <a:rPr sz="1800" b="1" i="0" u="none">
+                <a:solidFill>
+                  <a:srgbClr val="000000"/>
+                </a:solidFill>
+                <a:latin typeface="Times New Roman"/>
+                <a:ea typeface="Times New Roman"/>
+                <a:cs typeface="Times New Roman"/>
+              </a:rPr>
+              <a:t>“The system approach outlines the development and implementation of the Nutrition Agent.</a:t>
+            </a:r>
+            <a:r>
+              <a:rPr sz="1200" b="0" i="0" u="none">
+                <a:solidFill>
+                  <a:srgbClr val="000000"/>
+                </a:solidFill>
+                <a:latin typeface="Times New Roman"/>
+                <a:ea typeface="Times New Roman"/>
+                <a:cs typeface="Times New Roman"/>
+              </a:rPr>
+              <a:t>”</a:t>
+            </a:r>
             <a:r>
               <a:rPr lang="en-IN" sz="1800" b="1">
                 <a:solidFill>
                   <a:srgbClr val="0F0F0F"/>
                 </a:solidFill>
-                <a:ea typeface="+mn-lt"/>
-                <a:cs typeface="+mn-lt"/>
+                <a:ea typeface="Franklin Gothic Book"/>
+                <a:cs typeface="Franklin Gothic Book"/>
               </a:rPr>
-              <a:t>The "System Approach" section outlines the overall strategy and methodology for developing and implementing the rental bike prediction system. Here's a suggested structure for this section:</a:t>
+              <a:t>. Here's a suggested structure for this section:</a:t>
             </a:r>
             <a:endParaRPr lang="en-US"/>
           </a:p>
@@ -6863,7 +6885,111 @@
               </a:rPr>
               <a:t>System requirements</a:t>
             </a:r>
-            <a:endParaRPr/>
+            <a:endParaRPr lang="en-IN" sz="1800" b="1">
+              <a:solidFill>
+                <a:srgbClr val="0F0F0F"/>
+              </a:solidFill>
+            </a:endParaRPr>
+          </a:p>
+          <a:p>
+            <a:pPr>
+              <a:buClr>
+                <a:schemeClr val="accent1"/>
+              </a:buClr>
+              <a:buSzPct val="92000"/>
+              <a:buFont typeface="Arial"/>
+              <a:buChar char="–"/>
+              <a:defRPr/>
+            </a:pPr>
+            <a:r>
+              <a:rPr sz="1600" b="0" i="0" u="none">
+                <a:solidFill>
+                  <a:srgbClr val="000000"/>
+                </a:solidFill>
+                <a:latin typeface="Times New Roman"/>
+                <a:ea typeface="Times New Roman"/>
+                <a:cs typeface="Times New Roman"/>
+              </a:rPr>
+              <a:t> Python 3.9+</a:t>
+            </a:r>
+            <a:endParaRPr sz="1600"/>
+          </a:p>
+          <a:p>
+            <a:pPr>
+              <a:buClr>
+                <a:schemeClr val="accent1"/>
+              </a:buClr>
+              <a:buSzPct val="92000"/>
+              <a:buFont typeface="Arial"/>
+              <a:buChar char="–"/>
+              <a:defRPr/>
+            </a:pPr>
+            <a:r>
+              <a:rPr sz="1600" b="0" i="0" u="none">
+                <a:solidFill>
+                  <a:srgbClr val="000000"/>
+                </a:solidFill>
+                <a:latin typeface="Times New Roman"/>
+                <a:ea typeface="Times New Roman"/>
+                <a:cs typeface="Times New Roman"/>
+              </a:rPr>
+              <a:t>Flask.</a:t>
+            </a:r>
+            <a:endParaRPr sz="1600"/>
+          </a:p>
+          <a:p>
+            <a:pPr>
+              <a:buClr>
+                <a:schemeClr val="accent1"/>
+              </a:buClr>
+              <a:buSzPct val="92000"/>
+              <a:buFont typeface="Arial"/>
+              <a:buChar char="–"/>
+              <a:defRPr/>
+            </a:pPr>
+            <a:r>
+              <a:rPr sz="1600" b="0" i="0" u="none">
+                <a:solidFill>
+                  <a:srgbClr val="000000"/>
+                </a:solidFill>
+                <a:latin typeface="Times New Roman"/>
+                <a:ea typeface="Times New Roman"/>
+                <a:cs typeface="Times New Roman"/>
+              </a:rPr>
+              <a:t>Transformers (HuggingFace).</a:t>
+            </a:r>
+            <a:endParaRPr sz="1600"/>
+          </a:p>
+          <a:p>
+            <a:pPr>
+              <a:buClr>
+                <a:schemeClr val="accent1"/>
+              </a:buClr>
+              <a:buSzPct val="92000"/>
+              <a:buFont typeface="Arial"/>
+              <a:buChar char="–"/>
+              <a:defRPr/>
+            </a:pPr>
+            <a:r>
+              <a:rPr sz="1600" b="0" i="0" u="none">
+                <a:solidFill>
+                  <a:srgbClr val="000000"/>
+                </a:solidFill>
+                <a:latin typeface="Times New Roman"/>
+                <a:ea typeface="Times New Roman"/>
+                <a:cs typeface="Times New Roman"/>
+              </a:rPr>
+              <a:t>IBM Cloud SDK</a:t>
+            </a:r>
+            <a:r>
+              <a:rPr lang="en-US" sz="1600" b="1">
+                <a:solidFill>
+                  <a:srgbClr val="0F0F0F"/>
+                </a:solidFill>
+              </a:rPr>
+              <a:t>.</a:t>
+            </a:r>
+            <a:endParaRPr sz="1600"/>
           </a:p>
           <a:p>
             <a:pPr marL="305435" indent="-305435">
@@ -6877,7 +7003,88 @@
               </a:rPr>
               <a:t>Library required to build the model</a:t>
             </a:r>
-            <a:endParaRPr/>
+            <a:endParaRPr lang="en-IN" sz="1800" b="1">
+              <a:solidFill>
+                <a:srgbClr val="0F0F0F"/>
+              </a:solidFill>
+            </a:endParaRPr>
+          </a:p>
+          <a:p>
+            <a:pPr>
+              <a:buClr>
+                <a:schemeClr val="accent1"/>
+              </a:buClr>
+              <a:buSzPct val="92000"/>
+              <a:buFont typeface="Arial"/>
+              <a:buChar char="–"/>
+              <a:defRPr/>
+            </a:pPr>
+            <a:r>
+              <a:rPr sz="1600" b="0" i="0" u="none">
+                <a:solidFill>
+                  <a:srgbClr val="000000"/>
+                </a:solidFill>
+                <a:latin typeface="Times New Roman"/>
+                <a:ea typeface="Times New Roman"/>
+                <a:cs typeface="Times New Roman"/>
+              </a:rPr>
+              <a:t>transformers</a:t>
+            </a:r>
+            <a:endParaRPr sz="1600" b="1">
+              <a:solidFill>
+                <a:srgbClr val="0F0F0F"/>
+              </a:solidFill>
+            </a:endParaRPr>
+          </a:p>
+          <a:p>
+            <a:pPr>
+              <a:buClr>
+                <a:schemeClr val="accent1"/>
+              </a:buClr>
+              <a:buSzPct val="92000"/>
+              <a:buFont typeface="Arial"/>
+              <a:buChar char="–"/>
+              <a:defRPr/>
+            </a:pPr>
+            <a:r>
+              <a:rPr sz="1600" b="0" i="0" u="none">
+                <a:solidFill>
+                  <a:srgbClr val="000000"/>
+                </a:solidFill>
+                <a:latin typeface="Times New Roman"/>
+                <a:ea typeface="Times New Roman"/>
+                <a:cs typeface="Times New Roman"/>
+              </a:rPr>
+              <a:t>flask</a:t>
+            </a:r>
+            <a:endParaRPr sz="1600" b="1">
+              <a:solidFill>
+                <a:srgbClr val="0F0F0F"/>
+              </a:solidFill>
+            </a:endParaRPr>
+          </a:p>
+          <a:p>
+            <a:pPr>
+              <a:buClr>
+                <a:schemeClr val="accent1"/>
+              </a:buClr>
+              <a:buSzPct val="92000"/>
+              <a:buFont typeface="Arial"/>
+              <a:buChar char="–"/>
+              <a:defRPr/>
+            </a:pPr>
+            <a:r>
+              <a:rPr sz="1600" b="0" i="0" u="none">
+                <a:solidFill>
+                  <a:srgbClr val="000000"/>
+                </a:solidFill>
+                <a:latin typeface="Times New Roman"/>
+                <a:ea typeface="Times New Roman"/>
+                <a:cs typeface="Times New Roman"/>
+              </a:rPr>
+              <a:t>docker</a:t>
+            </a:r>
+            <a:endParaRPr sz="1600"/>
           </a:p>
         </p:txBody>
       </p:sp>
@@ -6916,7 +7123,7 @@
       </p:grpSpPr>
       <p:sp>
         <p:nvSpPr>
-          <p:cNvPr id="1997531914" name="Title 4"/>
+          <p:cNvPr id="1650248004" name="Title 4"/>
           <p:cNvSpPr>
             <a:spLocks noGrp="1"/>
           </p:cNvSpPr>
@@ -6944,7 +7151,7 @@
       </p:sp>
       <p:sp>
         <p:nvSpPr>
-          <p:cNvPr id="204175408" name="Content Placeholder 1"/>
+          <p:cNvPr id="1462069059" name="Content Placeholder 1"/>
           <p:cNvSpPr>
             <a:spLocks noGrp="1"/>
           </p:cNvSpPr>
@@ -7048,7 +7255,7 @@
       </p:grpSpPr>
       <p:sp>
         <p:nvSpPr>
-          <p:cNvPr id="231552819" name="Title 4"/>
+          <p:cNvPr id="2002769107" name="Title 4"/>
           <p:cNvSpPr>
             <a:spLocks noGrp="1"/>
           </p:cNvSpPr>
@@ -7076,7 +7283,7 @@
       </p:sp>
       <p:sp>
         <p:nvSpPr>
-          <p:cNvPr id="914130363" name="Content Placeholder 1"/>
+          <p:cNvPr id="1152501250" name="Content Placeholder 1"/>
           <p:cNvSpPr>
             <a:spLocks noGrp="1"/>
           </p:cNvSpPr>
@@ -7197,7 +7404,7 @@
       </p:sp>
       <p:pic>
         <p:nvPicPr>
-          <p:cNvPr id="813490914" name=""/>
+          <p:cNvPr id="608679126" name=""/>
           <p:cNvPicPr>
             <a:picLocks noChangeAspect="1"/>
           </p:cNvPicPr>
@@ -7252,7 +7459,7 @@
       </p:grpSpPr>
       <p:sp>
         <p:nvSpPr>
-          <p:cNvPr id="1630232577" name="Title 4"/>
+          <p:cNvPr id="1836684116" name="Title 4"/>
           <p:cNvSpPr>
             <a:spLocks noGrp="1"/>
           </p:cNvSpPr>
@@ -7280,7 +7487,7 @@
       </p:sp>
       <p:sp>
         <p:nvSpPr>
-          <p:cNvPr id="122777873" name="Content Placeholder 1"/>
+          <p:cNvPr id="1755028625" name="Content Placeholder 1"/>
           <p:cNvSpPr>
             <a:spLocks noGrp="1"/>
           </p:cNvSpPr>
@@ -7300,9 +7507,20 @@
             </a:pPr>
             <a:r>
               <a:rPr sz="1800"/>
-              <a:t>This AI-powered assistant delivers tailored nutritional guidance in real-time. It mimics expert consultations and evolves with user feedback. It solves the problem of scale, accuracy, and accessibility in nutrition counseling.</a:t>
-            </a:r>
-            <a:endParaRPr lang="en-IN" sz="2000"/>
+              <a:t>This AI-powered assistant delivers tailored nutritional guidance in real-time. It mimics expert consultations and evolves with user feedback.</a:t>
+            </a:r>
+            <a:r>
+              <a:rPr sz="1800" b="1" i="0" u="none">
+                <a:solidFill>
+                  <a:srgbClr val="000000"/>
+                </a:solidFill>
+                <a:latin typeface="Times New Roman"/>
+                <a:ea typeface="Times New Roman"/>
+                <a:cs typeface="Times New Roman"/>
+              </a:rPr>
+              <a:t>"Our Nutrition Agent addresses limitations of existing tools by offering scalable, accurate, and accessible nutritional support using AI."</a:t>
+            </a:r>
+            <a:endParaRPr sz="1600" b="1"/>
           </a:p>
         </p:txBody>
       </p:sp>
@@ -7341,7 +7559,7 @@
       </p:grpSpPr>
       <p:sp>
         <p:nvSpPr>
-          <p:cNvPr id="1598010022" name="Content Placeholder 2"/>
+          <p:cNvPr id="904763691" name="Content Placeholder 2"/>
           <p:cNvSpPr>
             <a:spLocks noGrp="1"/>
           </p:cNvSpPr>
@@ -7404,7 +7622,7 @@
       </p:sp>
       <p:sp>
         <p:nvSpPr>
-          <p:cNvPr id="1696043265" name="Title 4"/>
+          <p:cNvPr id="1829111264" name="Title 4"/>
           <p:cNvSpPr txBox="1"/>
           <p:nvPr/>
         </p:nvSpPr>
